--- a/001_JavaScript/010_lesson/Presentation/http_protocol_ajax.pptx
+++ b/001_JavaScript/010_lesson/Presentation/http_protocol_ajax.pptx
@@ -118,7 +118,7 @@
   </p:defaultTextStyle>
   <p:extLst>
     <p:ext uri="{EFAFB233-063F-42B5-8137-9DF3F51BA10A}">
-      <p15:sldGuideLst xmlns:p15="http://schemas.microsoft.com/office/powerpoint/2012/main" xmlns="">
+      <p15:sldGuideLst xmlns="" xmlns:p15="http://schemas.microsoft.com/office/powerpoint/2012/main">
         <p15:guide id="1" orient="horz" pos="1620">
           <p15:clr>
             <a:srgbClr val="A4A3A4"/>
@@ -142,7 +142,7 @@
       </p15:sldGuideLst>
     </p:ext>
     <p:ext uri="{2D200454-40CA-4A62-9FC3-DE9A4176ACB9}">
-      <p15:notesGuideLst xmlns:p15="http://schemas.microsoft.com/office/powerpoint/2012/main" xmlns="">
+      <p15:notesGuideLst xmlns="" xmlns:p15="http://schemas.microsoft.com/office/powerpoint/2012/main">
         <p15:guide id="1" orient="horz" pos="2880">
           <p15:clr>
             <a:srgbClr val="A4A3A4"/>
@@ -242,7 +242,7 @@
             <a:fld id="{C1951A84-8083-4F68-A786-57C80B44AB3C}" type="datetimeFigureOut">
               <a:rPr lang="en-US" smtClean="0"/>
               <a:pPr/>
-              <a:t>6/17/2016</a:t>
+              <a:t>7/28/2016</a:t>
             </a:fld>
             <a:endParaRPr lang="en-US"/>
           </a:p>
@@ -318,7 +318,7 @@
     </p:spTree>
     <p:extLst>
       <p:ext uri="{BB962C8B-B14F-4D97-AF65-F5344CB8AC3E}">
-        <p14:creationId xmlns:p14="http://schemas.microsoft.com/office/powerpoint/2010/main" xmlns="" val="171833131"/>
+        <p14:creationId xmlns="" xmlns:p14="http://schemas.microsoft.com/office/powerpoint/2010/main" val="171833131"/>
       </p:ext>
     </p:extLst>
   </p:cSld>
@@ -409,7 +409,7 @@
             <a:fld id="{F938EB94-4B54-4539-BEE7-C3885B42E71C}" type="datetimeFigureOut">
               <a:rPr lang="en-US" smtClean="0"/>
               <a:pPr/>
-              <a:t>6/17/2016</a:t>
+              <a:t>7/28/2016</a:t>
             </a:fld>
             <a:endParaRPr lang="en-US"/>
           </a:p>
@@ -578,7 +578,7 @@
     </p:spTree>
     <p:extLst>
       <p:ext uri="{BB962C8B-B14F-4D97-AF65-F5344CB8AC3E}">
-        <p14:creationId xmlns:p14="http://schemas.microsoft.com/office/powerpoint/2010/main" xmlns="" val="4273275644"/>
+        <p14:creationId xmlns="" xmlns:p14="http://schemas.microsoft.com/office/powerpoint/2010/main" val="4273275644"/>
       </p:ext>
     </p:extLst>
   </p:cSld>
@@ -1185,7 +1185,7 @@
     </p:spTree>
     <p:extLst>
       <p:ext uri="{BB962C8B-B14F-4D97-AF65-F5344CB8AC3E}">
-        <p14:creationId xmlns:p14="http://schemas.microsoft.com/office/powerpoint/2010/main" xmlns="" val="3537187278"/>
+        <p14:creationId xmlns="" xmlns:p14="http://schemas.microsoft.com/office/powerpoint/2010/main" val="3537187278"/>
       </p:ext>
     </p:extLst>
   </p:cSld>
@@ -1231,7 +1231,7 @@
           <a:blip r:embed="rId2" cstate="print">
             <a:extLst>
               <a:ext uri="{28A0092B-C50C-407E-A947-70E740481C1C}">
-                <a14:useLocalDpi xmlns:a14="http://schemas.microsoft.com/office/drawing/2010/main" xmlns="" val="0"/>
+                <a14:useLocalDpi xmlns="" xmlns:a14="http://schemas.microsoft.com/office/drawing/2010/main" val="0"/>
               </a:ext>
             </a:extLst>
           </a:blip>
@@ -1255,14 +1255,14 @@
           <a:effectLst/>
           <a:extLst>
             <a:ext uri="{909E8E84-426E-40DD-AFC4-6F175D3DCCD1}">
-              <a14:hiddenFill xmlns:a14="http://schemas.microsoft.com/office/drawing/2010/main" xmlns="">
+              <a14:hiddenFill xmlns="" xmlns:a14="http://schemas.microsoft.com/office/drawing/2010/main">
                 <a:solidFill>
                   <a:schemeClr val="accent1"/>
                 </a:solidFill>
               </a14:hiddenFill>
             </a:ext>
             <a:ext uri="{91240B29-F687-4F45-9708-019B960494DF}">
-              <a14:hiddenLine xmlns:a14="http://schemas.microsoft.com/office/drawing/2010/main" xmlns="" w="9525">
+              <a14:hiddenLine xmlns="" xmlns:a14="http://schemas.microsoft.com/office/drawing/2010/main" w="9525">
                 <a:solidFill>
                   <a:schemeClr val="tx1"/>
                 </a:solidFill>
@@ -1272,7 +1272,7 @@
               </a14:hiddenLine>
             </a:ext>
             <a:ext uri="{AF507438-7753-43E0-B8FC-AC1667EBCBE1}">
-              <a14:hiddenEffects xmlns:a14="http://schemas.microsoft.com/office/drawing/2010/main" xmlns="">
+              <a14:hiddenEffects xmlns="" xmlns:a14="http://schemas.microsoft.com/office/drawing/2010/main">
                 <a:effectLst>
                   <a:outerShdw dist="35921" dir="2700000" algn="ctr" rotWithShape="0">
                     <a:schemeClr val="bg2"/>
@@ -1413,7 +1413,7 @@
     </p:spTree>
     <p:extLst>
       <p:ext uri="{BB962C8B-B14F-4D97-AF65-F5344CB8AC3E}">
-        <p14:creationId xmlns:p14="http://schemas.microsoft.com/office/powerpoint/2010/main" xmlns="" val="2097366919"/>
+        <p14:creationId xmlns="" xmlns:p14="http://schemas.microsoft.com/office/powerpoint/2010/main" val="2097366919"/>
       </p:ext>
     </p:extLst>
   </p:cSld>
@@ -1488,7 +1488,7 @@
     </p:spTree>
     <p:extLst>
       <p:ext uri="{BB962C8B-B14F-4D97-AF65-F5344CB8AC3E}">
-        <p14:creationId xmlns:p14="http://schemas.microsoft.com/office/powerpoint/2010/main" xmlns="" val="779007194"/>
+        <p14:creationId xmlns="" xmlns:p14="http://schemas.microsoft.com/office/powerpoint/2010/main" val="779007194"/>
       </p:ext>
     </p:extLst>
   </p:cSld>
@@ -1816,7 +1816,9 @@
           <a:lstStyle/>
           <a:p>
             <a:pPr algn="ctr"/>
-            <a:endParaRPr lang="en-US" dirty="0"/>
+            <a:endParaRPr lang="en-US" dirty="0">
+              <a:latin typeface="Calibri" pitchFamily="34" charset="0"/>
+            </a:endParaRPr>
           </a:p>
         </p:txBody>
       </p:sp>
@@ -1847,7 +1849,7 @@
                 <a:solidFill>
                   <a:schemeClr val="bg1"/>
                 </a:solidFill>
-                <a:latin typeface="Roboto Thin" panose="02000000000000000000" pitchFamily="2" charset="0"/>
+                <a:latin typeface="Calibri" pitchFamily="34" charset="0"/>
                 <a:ea typeface="Roboto Thin" panose="02000000000000000000" pitchFamily="2" charset="0"/>
                 <a:cs typeface="Roboto Thin" panose="02000000000000000000" pitchFamily="2" charset="0"/>
               </a:rPr>
@@ -1858,7 +1860,7 @@
                 <a:solidFill>
                   <a:schemeClr val="bg1"/>
                 </a:solidFill>
-                <a:latin typeface="Roboto Thin" panose="02000000000000000000" pitchFamily="2" charset="0"/>
+                <a:latin typeface="Calibri" pitchFamily="34" charset="0"/>
                 <a:ea typeface="Roboto Thin" panose="02000000000000000000" pitchFamily="2" charset="0"/>
                 <a:cs typeface="Roboto Thin" panose="02000000000000000000" pitchFamily="2" charset="0"/>
               </a:rPr>
@@ -1869,7 +1871,7 @@
                 <a:solidFill>
                   <a:schemeClr val="bg1"/>
                 </a:solidFill>
-                <a:latin typeface="Roboto Thin" panose="02000000000000000000" pitchFamily="2" charset="0"/>
+                <a:latin typeface="Calibri" pitchFamily="34" charset="0"/>
                 <a:ea typeface="Roboto Thin" panose="02000000000000000000" pitchFamily="2" charset="0"/>
                 <a:cs typeface="Roboto Thin" panose="02000000000000000000" pitchFamily="2" charset="0"/>
               </a:rPr>
@@ -1879,7 +1881,7 @@
               <a:solidFill>
                 <a:srgbClr val="7564BC"/>
               </a:solidFill>
-              <a:latin typeface="Roboto Thin" panose="02000000000000000000" pitchFamily="2" charset="0"/>
+              <a:latin typeface="Calibri" pitchFamily="34" charset="0"/>
               <a:ea typeface="Roboto Thin" panose="02000000000000000000" pitchFamily="2" charset="0"/>
               <a:cs typeface="Roboto Thin" panose="02000000000000000000" pitchFamily="2" charset="0"/>
             </a:endParaRPr>
@@ -2071,7 +2073,7 @@
                     <a:lumOff val="10000"/>
                   </a:schemeClr>
                 </a:solidFill>
-                <a:latin typeface="Roboto Light" panose="02000000000000000000" pitchFamily="2" charset="0"/>
+                <a:latin typeface="Calibri" pitchFamily="34" charset="0"/>
                 <a:ea typeface="Roboto Light" panose="02000000000000000000" pitchFamily="2" charset="0"/>
                 <a:cs typeface="Roboto Light" panose="02000000000000000000" pitchFamily="2" charset="0"/>
               </a:rPr>
@@ -2084,7 +2086,7 @@
                   <a:lumOff val="10000"/>
                 </a:schemeClr>
               </a:solidFill>
-              <a:latin typeface="Roboto Light" panose="02000000000000000000" pitchFamily="2" charset="0"/>
+              <a:latin typeface="Calibri" pitchFamily="34" charset="0"/>
               <a:ea typeface="Roboto Light" panose="02000000000000000000" pitchFamily="2" charset="0"/>
               <a:cs typeface="Roboto Light" panose="02000000000000000000" pitchFamily="2" charset="0"/>
             </a:endParaRPr>
@@ -2103,7 +2105,7 @@
           <a:blip r:embed="rId2" cstate="print">
             <a:extLst>
               <a:ext uri="{28A0092B-C50C-407E-A947-70E740481C1C}">
-                <a14:useLocalDpi xmlns:a14="http://schemas.microsoft.com/office/drawing/2010/main" xmlns="" val="0"/>
+                <a14:useLocalDpi xmlns="" xmlns:a14="http://schemas.microsoft.com/office/drawing/2010/main" val="0"/>
               </a:ext>
             </a:extLst>
           </a:blip>
@@ -2123,7 +2125,7 @@
           <a:noFill/>
           <a:extLst>
             <a:ext uri="{909E8E84-426E-40DD-AFC4-6F175D3DCCD1}">
-              <a14:hiddenFill xmlns:a14="http://schemas.microsoft.com/office/drawing/2010/main" xmlns="">
+              <a14:hiddenFill xmlns="" xmlns:a14="http://schemas.microsoft.com/office/drawing/2010/main">
                 <a:solidFill>
                   <a:srgbClr val="FFFFFF"/>
                 </a:solidFill>
@@ -2155,24 +2157,26 @@
           <a:lstStyle/>
           <a:p>
             <a:r>
-              <a:rPr lang="en-US" sz="4400" b="1" dirty="0" smtClean="0">
+              <a:rPr lang="en-US" sz="4400" dirty="0" smtClean="0">
                 <a:solidFill>
                   <a:srgbClr val="7564BC"/>
                 </a:solidFill>
-                <a:latin typeface="Roboto Black" panose="02000000000000000000" pitchFamily="2" charset="0"/>
+                <a:latin typeface="Calibri" pitchFamily="34" charset="0"/>
                 <a:ea typeface="Roboto Black" panose="02000000000000000000" pitchFamily="2" charset="0"/>
                 <a:cs typeface="Roboto Black" panose="02000000000000000000" pitchFamily="2" charset="0"/>
               </a:rPr>
-              <a:t>AJAX.</a:t>
-            </a:r>
-            <a:endParaRPr lang="en-US" b="1" dirty="0"/>
+              <a:t>AJAX</a:t>
+            </a:r>
+            <a:endParaRPr lang="en-US" dirty="0">
+              <a:latin typeface="Calibri" pitchFamily="34" charset="0"/>
+            </a:endParaRPr>
           </a:p>
         </p:txBody>
       </p:sp>
     </p:spTree>
     <p:extLst>
       <p:ext uri="{BB962C8B-B14F-4D97-AF65-F5344CB8AC3E}">
-        <p14:creationId xmlns:p14="http://schemas.microsoft.com/office/powerpoint/2010/main" xmlns="" val="3436223543"/>
+        <p14:creationId xmlns="" xmlns:p14="http://schemas.microsoft.com/office/powerpoint/2010/main" val="3436223543"/>
       </p:ext>
     </p:extLst>
   </p:cSld>
@@ -2222,14 +2226,20 @@
           <a:lstStyle/>
           <a:p>
             <a:r>
-              <a:rPr lang="en-US" b="1" dirty="0" smtClean="0"/>
+              <a:rPr lang="en-US" dirty="0" smtClean="0">
+                <a:latin typeface="Calibri" pitchFamily="34" charset="0"/>
+              </a:rPr>
               <a:t>HTTP</a:t>
             </a:r>
             <a:r>
-              <a:rPr lang="ru-RU" b="1" dirty="0" smtClean="0"/>
+              <a:rPr lang="ru-RU" dirty="0" smtClean="0">
+                <a:latin typeface="Calibri" pitchFamily="34" charset="0"/>
+              </a:rPr>
               <a:t> протокол</a:t>
             </a:r>
-            <a:endParaRPr lang="en-US" b="1" dirty="0"/>
+            <a:endParaRPr lang="en-US" dirty="0">
+              <a:latin typeface="Calibri" pitchFamily="34" charset="0"/>
+            </a:endParaRPr>
           </a:p>
         </p:txBody>
       </p:sp>
@@ -2401,7 +2411,7 @@
     </p:spTree>
     <p:extLst>
       <p:ext uri="{BB962C8B-B14F-4D97-AF65-F5344CB8AC3E}">
-        <p14:creationId xmlns:p14="http://schemas.microsoft.com/office/powerpoint/2010/main" xmlns="" val="9290874"/>
+        <p14:creationId xmlns="" xmlns:p14="http://schemas.microsoft.com/office/powerpoint/2010/main" val="9290874"/>
       </p:ext>
     </p:extLst>
   </p:cSld>
@@ -2451,22 +2461,32 @@
           <a:lstStyle/>
           <a:p>
             <a:r>
-              <a:rPr lang="en-US" b="1" dirty="0" smtClean="0"/>
+              <a:rPr lang="en-US" dirty="0" smtClean="0">
+                <a:latin typeface="Calibri" pitchFamily="34" charset="0"/>
+              </a:rPr>
               <a:t>HTTP </a:t>
             </a:r>
             <a:r>
-              <a:rPr lang="uk-UA" b="1" dirty="0" err="1" smtClean="0"/>
+              <a:rPr lang="uk-UA" dirty="0" err="1" smtClean="0">
+                <a:latin typeface="Calibri" pitchFamily="34" charset="0"/>
+              </a:rPr>
               <a:t>глаголы</a:t>
             </a:r>
             <a:r>
-              <a:rPr lang="uk-UA" b="1" dirty="0" smtClean="0"/>
+              <a:rPr lang="uk-UA" dirty="0" smtClean="0">
+                <a:latin typeface="Calibri" pitchFamily="34" charset="0"/>
+              </a:rPr>
               <a:t> (</a:t>
             </a:r>
             <a:r>
-              <a:rPr lang="en-US" b="1" dirty="0" smtClean="0"/>
+              <a:rPr lang="en-US" dirty="0" smtClean="0">
+                <a:latin typeface="Calibri" pitchFamily="34" charset="0"/>
+              </a:rPr>
               <a:t>verbs)</a:t>
             </a:r>
-            <a:endParaRPr lang="en-US" b="1" dirty="0"/>
+            <a:endParaRPr lang="en-US" dirty="0">
+              <a:latin typeface="Calibri" pitchFamily="34" charset="0"/>
+            </a:endParaRPr>
           </a:p>
         </p:txBody>
       </p:sp>
@@ -2559,13 +2579,13 @@
                     <a:lstStyle/>
                     <a:p>
                       <a:r>
-                        <a:rPr lang="en-US" dirty="0" smtClean="0">
+                        <a:rPr lang="en-US" sz="1800" dirty="0" smtClean="0">
                           <a:latin typeface="Calibri" pitchFamily="34" charset="0"/>
                           <a:cs typeface="Calibri" pitchFamily="34" charset="0"/>
                         </a:rPr>
                         <a:t>OPTIONS</a:t>
                       </a:r>
-                      <a:endParaRPr lang="en-US" dirty="0">
+                      <a:endParaRPr lang="en-US" sz="1800" dirty="0">
                         <a:latin typeface="Calibri" pitchFamily="34" charset="0"/>
                         <a:cs typeface="Calibri" pitchFamily="34" charset="0"/>
                       </a:endParaRPr>
@@ -2579,34 +2599,34 @@
                     <a:lstStyle/>
                     <a:p>
                       <a:r>
-                        <a:rPr lang="ru-RU" dirty="0" smtClean="0">
+                        <a:rPr lang="ru-RU" sz="1800" dirty="0" smtClean="0">
                           <a:latin typeface="Calibri" pitchFamily="34" charset="0"/>
                           <a:cs typeface="Calibri" pitchFamily="34" charset="0"/>
                         </a:rPr>
                         <a:t>Используется</a:t>
                       </a:r>
                       <a:r>
-                        <a:rPr lang="ru-RU" baseline="0" dirty="0" smtClean="0">
+                        <a:rPr lang="ru-RU" sz="1800" baseline="0" dirty="0" smtClean="0">
                           <a:latin typeface="Calibri" pitchFamily="34" charset="0"/>
                           <a:cs typeface="Calibri" pitchFamily="34" charset="0"/>
                         </a:rPr>
                         <a:t> </a:t>
                       </a:r>
                       <a:r>
-                        <a:rPr lang="ru-RU" baseline="0" dirty="0" err="1" smtClean="0">
+                        <a:rPr lang="ru-RU" sz="1800" baseline="0" dirty="0" err="1" smtClean="0">
                           <a:latin typeface="Calibri" pitchFamily="34" charset="0"/>
                           <a:cs typeface="Calibri" pitchFamily="34" charset="0"/>
                         </a:rPr>
                         <a:t>клиентсикм</a:t>
                       </a:r>
                       <a:r>
-                        <a:rPr lang="ru-RU" baseline="0" dirty="0" smtClean="0">
+                        <a:rPr lang="ru-RU" sz="1800" baseline="0" dirty="0" smtClean="0">
                           <a:latin typeface="Calibri" pitchFamily="34" charset="0"/>
                           <a:cs typeface="Calibri" pitchFamily="34" charset="0"/>
                         </a:rPr>
                         <a:t> приложением для получения списка доступных глаголов</a:t>
                       </a:r>
-                      <a:endParaRPr lang="en-US" dirty="0">
+                      <a:endParaRPr lang="en-US" sz="1800" dirty="0">
                         <a:latin typeface="Calibri" pitchFamily="34" charset="0"/>
                         <a:cs typeface="Calibri" pitchFamily="34" charset="0"/>
                       </a:endParaRPr>
@@ -2622,13 +2642,13 @@
                     <a:lstStyle/>
                     <a:p>
                       <a:r>
-                        <a:rPr lang="en-US" b="1" dirty="0" smtClean="0">
+                        <a:rPr lang="en-US" sz="1800" b="1" dirty="0" smtClean="0">
                           <a:latin typeface="Calibri" pitchFamily="34" charset="0"/>
                           <a:cs typeface="Calibri" pitchFamily="34" charset="0"/>
                         </a:rPr>
                         <a:t>GET</a:t>
                       </a:r>
-                      <a:endParaRPr lang="en-US" b="1" dirty="0">
+                      <a:endParaRPr lang="en-US" sz="1800" b="1" dirty="0">
                         <a:latin typeface="Calibri" pitchFamily="34" charset="0"/>
                         <a:cs typeface="Calibri" pitchFamily="34" charset="0"/>
                       </a:endParaRPr>
@@ -2642,13 +2662,13 @@
                     <a:lstStyle/>
                     <a:p>
                       <a:r>
-                        <a:rPr lang="ru-RU" dirty="0" smtClean="0">
+                        <a:rPr lang="ru-RU" sz="1800" dirty="0" smtClean="0">
                           <a:latin typeface="Calibri" pitchFamily="34" charset="0"/>
                           <a:cs typeface="Calibri" pitchFamily="34" charset="0"/>
                         </a:rPr>
                         <a:t>Получение данных с сервера. </a:t>
                       </a:r>
-                      <a:endParaRPr lang="en-US" dirty="0">
+                      <a:endParaRPr lang="en-US" sz="1800" dirty="0">
                         <a:latin typeface="Calibri" pitchFamily="34" charset="0"/>
                         <a:cs typeface="Calibri" pitchFamily="34" charset="0"/>
                       </a:endParaRPr>
@@ -2664,13 +2684,13 @@
                     <a:lstStyle/>
                     <a:p>
                       <a:r>
-                        <a:rPr lang="en-US" dirty="0" smtClean="0">
+                        <a:rPr lang="en-US" sz="1800" dirty="0" smtClean="0">
                           <a:latin typeface="Calibri" pitchFamily="34" charset="0"/>
                           <a:cs typeface="Calibri" pitchFamily="34" charset="0"/>
                         </a:rPr>
                         <a:t>HEAD</a:t>
                       </a:r>
-                      <a:endParaRPr lang="en-US" dirty="0">
+                      <a:endParaRPr lang="en-US" sz="1800" dirty="0">
                         <a:latin typeface="Calibri" pitchFamily="34" charset="0"/>
                         <a:cs typeface="Calibri" pitchFamily="34" charset="0"/>
                       </a:endParaRPr>
@@ -2684,20 +2704,20 @@
                     <a:lstStyle/>
                     <a:p>
                       <a:r>
-                        <a:rPr lang="ru-RU" dirty="0" smtClean="0">
+                        <a:rPr lang="ru-RU" sz="1800" dirty="0" smtClean="0">
                           <a:latin typeface="Calibri" pitchFamily="34" charset="0"/>
                           <a:cs typeface="Calibri" pitchFamily="34" charset="0"/>
                         </a:rPr>
                         <a:t>Получение метаданных (заголовков) ресурса.</a:t>
                       </a:r>
                       <a:r>
-                        <a:rPr lang="ru-RU" baseline="0" dirty="0" smtClean="0">
+                        <a:rPr lang="ru-RU" sz="1800" baseline="0" dirty="0" smtClean="0">
                           <a:latin typeface="Calibri" pitchFamily="34" charset="0"/>
                           <a:cs typeface="Calibri" pitchFamily="34" charset="0"/>
                         </a:rPr>
                         <a:t> При данном запросе ресурс не возвращается. </a:t>
                       </a:r>
-                      <a:endParaRPr lang="en-US" dirty="0">
+                      <a:endParaRPr lang="en-US" sz="1800" dirty="0">
                         <a:latin typeface="Calibri" pitchFamily="34" charset="0"/>
                         <a:cs typeface="Calibri" pitchFamily="34" charset="0"/>
                       </a:endParaRPr>
@@ -2713,13 +2733,13 @@
                     <a:lstStyle/>
                     <a:p>
                       <a:r>
-                        <a:rPr lang="en-US" b="1" dirty="0" smtClean="0">
+                        <a:rPr lang="en-US" sz="1800" b="1" dirty="0" smtClean="0">
                           <a:latin typeface="Calibri" pitchFamily="34" charset="0"/>
                           <a:cs typeface="Calibri" pitchFamily="34" charset="0"/>
                         </a:rPr>
                         <a:t>POST</a:t>
                       </a:r>
-                      <a:endParaRPr lang="en-US" b="1" dirty="0">
+                      <a:endParaRPr lang="en-US" sz="1800" b="1" dirty="0">
                         <a:latin typeface="Calibri" pitchFamily="34" charset="0"/>
                         <a:cs typeface="Calibri" pitchFamily="34" charset="0"/>
                       </a:endParaRPr>
@@ -2733,20 +2753,20 @@
                     <a:lstStyle/>
                     <a:p>
                       <a:r>
-                        <a:rPr lang="ru-RU" dirty="0" smtClean="0">
+                        <a:rPr lang="ru-RU" sz="1800" dirty="0" smtClean="0">
                           <a:latin typeface="Calibri" pitchFamily="34" charset="0"/>
                           <a:cs typeface="Calibri" pitchFamily="34" charset="0"/>
                         </a:rPr>
                         <a:t>Отправка данных на</a:t>
                       </a:r>
                       <a:r>
-                        <a:rPr lang="ru-RU" baseline="0" dirty="0" smtClean="0">
+                        <a:rPr lang="ru-RU" sz="1800" baseline="0" dirty="0" smtClean="0">
                           <a:latin typeface="Calibri" pitchFamily="34" charset="0"/>
                           <a:cs typeface="Calibri" pitchFamily="34" charset="0"/>
                         </a:rPr>
                         <a:t> сервер для обработки. Обычно данные введенные пользователем в форму на странице.  </a:t>
                       </a:r>
-                      <a:endParaRPr lang="en-US" dirty="0">
+                      <a:endParaRPr lang="en-US" sz="1800" dirty="0">
                         <a:latin typeface="Calibri" pitchFamily="34" charset="0"/>
                         <a:cs typeface="Calibri" pitchFamily="34" charset="0"/>
                       </a:endParaRPr>
@@ -2762,13 +2782,13 @@
                     <a:lstStyle/>
                     <a:p>
                       <a:r>
-                        <a:rPr lang="en-US" dirty="0" smtClean="0">
+                        <a:rPr lang="en-US" sz="1800" dirty="0" smtClean="0">
                           <a:latin typeface="Calibri" pitchFamily="34" charset="0"/>
                           <a:cs typeface="Calibri" pitchFamily="34" charset="0"/>
                         </a:rPr>
                         <a:t>PUT</a:t>
                       </a:r>
-                      <a:endParaRPr lang="en-US" dirty="0">
+                      <a:endParaRPr lang="en-US" sz="1800" dirty="0">
                         <a:latin typeface="Calibri" pitchFamily="34" charset="0"/>
                         <a:cs typeface="Calibri" pitchFamily="34" charset="0"/>
                       </a:endParaRPr>
@@ -2782,48 +2802,48 @@
                     <a:lstStyle/>
                     <a:p>
                       <a:r>
-                        <a:rPr lang="ru-RU" dirty="0" smtClean="0">
+                        <a:rPr lang="ru-RU" sz="1800" dirty="0" smtClean="0">
                           <a:latin typeface="Calibri" pitchFamily="34" charset="0"/>
                           <a:cs typeface="Calibri" pitchFamily="34" charset="0"/>
                         </a:rPr>
                         <a:t>Позволяет клиенту создать ресурс по указанному</a:t>
                       </a:r>
                       <a:r>
-                        <a:rPr lang="ru-RU" baseline="0" dirty="0" smtClean="0">
+                        <a:rPr lang="ru-RU" sz="1800" baseline="0" dirty="0" smtClean="0">
                           <a:latin typeface="Calibri" pitchFamily="34" charset="0"/>
                           <a:cs typeface="Calibri" pitchFamily="34" charset="0"/>
                         </a:rPr>
                         <a:t> </a:t>
                       </a:r>
                       <a:r>
-                        <a:rPr lang="en-US" baseline="0" dirty="0" smtClean="0">
+                        <a:rPr lang="en-US" sz="1800" baseline="0" dirty="0" smtClean="0">
                           <a:latin typeface="Calibri" pitchFamily="34" charset="0"/>
                           <a:cs typeface="Calibri" pitchFamily="34" charset="0"/>
                         </a:rPr>
                         <a:t>URL (</a:t>
                       </a:r>
                       <a:r>
-                        <a:rPr lang="ru-RU" baseline="0" dirty="0" smtClean="0">
+                        <a:rPr lang="ru-RU" sz="1800" baseline="0" dirty="0" smtClean="0">
                           <a:latin typeface="Calibri" pitchFamily="34" charset="0"/>
                           <a:cs typeface="Calibri" pitchFamily="34" charset="0"/>
                         </a:rPr>
                         <a:t>создать файл на сервере</a:t>
                       </a:r>
                       <a:r>
-                        <a:rPr lang="en-US" baseline="0" dirty="0" smtClean="0">
+                        <a:rPr lang="en-US" sz="1800" baseline="0" dirty="0" smtClean="0">
                           <a:latin typeface="Calibri" pitchFamily="34" charset="0"/>
                           <a:cs typeface="Calibri" pitchFamily="34" charset="0"/>
                         </a:rPr>
                         <a:t>)</a:t>
                       </a:r>
                       <a:r>
-                        <a:rPr lang="ru-RU" baseline="0" dirty="0" smtClean="0">
+                        <a:rPr lang="ru-RU" sz="1800" baseline="0" dirty="0" smtClean="0">
                           <a:latin typeface="Calibri" pitchFamily="34" charset="0"/>
                           <a:cs typeface="Calibri" pitchFamily="34" charset="0"/>
                         </a:rPr>
                         <a:t>.  </a:t>
                       </a:r>
-                      <a:endParaRPr lang="en-US" dirty="0">
+                      <a:endParaRPr lang="en-US" sz="1800" dirty="0">
                         <a:latin typeface="Calibri" pitchFamily="34" charset="0"/>
                         <a:cs typeface="Calibri" pitchFamily="34" charset="0"/>
                       </a:endParaRPr>
@@ -2839,13 +2859,13 @@
                     <a:lstStyle/>
                     <a:p>
                       <a:r>
-                        <a:rPr lang="en-US" dirty="0" smtClean="0">
+                        <a:rPr lang="en-US" sz="1800" dirty="0" smtClean="0">
                           <a:latin typeface="Calibri" pitchFamily="34" charset="0"/>
                           <a:cs typeface="Calibri" pitchFamily="34" charset="0"/>
                         </a:rPr>
                         <a:t>DELETE</a:t>
                       </a:r>
-                      <a:endParaRPr lang="en-US" dirty="0">
+                      <a:endParaRPr lang="en-US" sz="1800" dirty="0">
                         <a:latin typeface="Calibri" pitchFamily="34" charset="0"/>
                         <a:cs typeface="Calibri" pitchFamily="34" charset="0"/>
                       </a:endParaRPr>
@@ -2859,20 +2879,20 @@
                     <a:lstStyle/>
                     <a:p>
                       <a:r>
-                        <a:rPr lang="ru-RU" dirty="0" smtClean="0">
+                        <a:rPr lang="ru-RU" sz="1800" dirty="0" smtClean="0">
                           <a:latin typeface="Calibri" pitchFamily="34" charset="0"/>
                           <a:cs typeface="Calibri" pitchFamily="34" charset="0"/>
                         </a:rPr>
                         <a:t>Удаление ресурса</a:t>
                       </a:r>
                       <a:r>
-                        <a:rPr lang="ru-RU" baseline="0" dirty="0" smtClean="0">
+                        <a:rPr lang="ru-RU" sz="1800" baseline="0" dirty="0" smtClean="0">
                           <a:latin typeface="Calibri" pitchFamily="34" charset="0"/>
                           <a:cs typeface="Calibri" pitchFamily="34" charset="0"/>
                         </a:rPr>
                         <a:t> на сервере. </a:t>
                       </a:r>
-                      <a:endParaRPr lang="en-US" dirty="0">
+                      <a:endParaRPr lang="en-US" sz="1800" dirty="0">
                         <a:latin typeface="Calibri" pitchFamily="34" charset="0"/>
                         <a:cs typeface="Calibri" pitchFamily="34" charset="0"/>
                       </a:endParaRPr>
@@ -2888,13 +2908,13 @@
                     <a:lstStyle/>
                     <a:p>
                       <a:r>
-                        <a:rPr lang="en-US" dirty="0" smtClean="0">
+                        <a:rPr lang="en-US" sz="1800" dirty="0" smtClean="0">
                           <a:latin typeface="Calibri" pitchFamily="34" charset="0"/>
                           <a:cs typeface="Calibri" pitchFamily="34" charset="0"/>
                         </a:rPr>
                         <a:t>CONNECT</a:t>
                       </a:r>
-                      <a:endParaRPr lang="en-US" dirty="0">
+                      <a:endParaRPr lang="en-US" sz="1800" dirty="0">
                         <a:latin typeface="Calibri" pitchFamily="34" charset="0"/>
                         <a:cs typeface="Calibri" pitchFamily="34" charset="0"/>
                       </a:endParaRPr>
@@ -2908,27 +2928,27 @@
                     <a:lstStyle/>
                     <a:p>
                       <a:r>
-                        <a:rPr lang="ru-RU" dirty="0" smtClean="0">
+                        <a:rPr lang="ru-RU" sz="1800" dirty="0" smtClean="0">
                           <a:latin typeface="Calibri" pitchFamily="34" charset="0"/>
                           <a:cs typeface="Calibri" pitchFamily="34" charset="0"/>
                         </a:rPr>
                         <a:t>Команда для использования </a:t>
                       </a:r>
                       <a:r>
-                        <a:rPr lang="ru-RU" dirty="0" err="1" smtClean="0">
+                        <a:rPr lang="ru-RU" sz="1800" dirty="0" err="1" smtClean="0">
                           <a:latin typeface="Calibri" pitchFamily="34" charset="0"/>
                           <a:cs typeface="Calibri" pitchFamily="34" charset="0"/>
                         </a:rPr>
                         <a:t>прокси</a:t>
                       </a:r>
                       <a:r>
-                        <a:rPr lang="ru-RU" baseline="0" dirty="0" smtClean="0">
+                        <a:rPr lang="ru-RU" sz="1800" baseline="0" dirty="0" smtClean="0">
                           <a:latin typeface="Calibri" pitchFamily="34" charset="0"/>
                           <a:cs typeface="Calibri" pitchFamily="34" charset="0"/>
                         </a:rPr>
                         <a:t> серверами. </a:t>
                       </a:r>
-                      <a:endParaRPr lang="en-US" dirty="0">
+                      <a:endParaRPr lang="en-US" sz="1800" dirty="0">
                         <a:latin typeface="Calibri" pitchFamily="34" charset="0"/>
                         <a:cs typeface="Calibri" pitchFamily="34" charset="0"/>
                       </a:endParaRPr>
@@ -2944,7 +2964,7 @@
     </p:spTree>
     <p:extLst>
       <p:ext uri="{BB962C8B-B14F-4D97-AF65-F5344CB8AC3E}">
-        <p14:creationId xmlns:p14="http://schemas.microsoft.com/office/powerpoint/2010/main" xmlns="" val="4126915530"/>
+        <p14:creationId xmlns="" xmlns:p14="http://schemas.microsoft.com/office/powerpoint/2010/main" val="4126915530"/>
       </p:ext>
     </p:extLst>
   </p:cSld>
@@ -2994,18 +3014,20 @@
           <a:lstStyle/>
           <a:p>
             <a:r>
-              <a:rPr lang="en-US" b="1" dirty="0" smtClean="0"/>
+              <a:rPr lang="en-US" dirty="0" smtClean="0">
+                <a:latin typeface="Calibri" pitchFamily="34" charset="0"/>
+              </a:rPr>
               <a:t>HTTP</a:t>
             </a:r>
             <a:r>
-              <a:rPr lang="ru-RU" b="1" dirty="0" smtClean="0"/>
-              <a:t> </a:t>
-            </a:r>
-            <a:r>
-              <a:rPr lang="ru-RU" b="1" dirty="0" smtClean="0"/>
-              <a:t>протокол </a:t>
-            </a:r>
-            <a:endParaRPr lang="en-US" dirty="0"/>
+              <a:rPr lang="ru-RU" dirty="0" smtClean="0">
+                <a:latin typeface="Calibri" pitchFamily="34" charset="0"/>
+              </a:rPr>
+              <a:t> протокол </a:t>
+            </a:r>
+            <a:endParaRPr lang="en-US" dirty="0">
+              <a:latin typeface="Calibri" pitchFamily="34" charset="0"/>
+            </a:endParaRPr>
           </a:p>
         </p:txBody>
       </p:sp>
@@ -3039,17 +3061,19 @@
                     <a:p>
                       <a:pPr algn="ctr"/>
                       <a:r>
-                        <a:rPr lang="ru-RU" b="1" dirty="0" smtClean="0">
+                        <a:rPr lang="ru-RU" sz="1800" b="1" dirty="0" smtClean="0">
                           <a:solidFill>
                             <a:schemeClr val="bg1"/>
                           </a:solidFill>
+                          <a:latin typeface="Calibri" pitchFamily="34" charset="0"/>
                         </a:rPr>
                         <a:t>Группа</a:t>
                       </a:r>
-                      <a:endParaRPr lang="en-US" b="1" dirty="0">
+                      <a:endParaRPr lang="en-US" sz="1800" b="1" dirty="0">
                         <a:solidFill>
                           <a:schemeClr val="bg1"/>
                         </a:solidFill>
+                        <a:latin typeface="Calibri" pitchFamily="34" charset="0"/>
                       </a:endParaRPr>
                     </a:p>
                   </a:txBody>
@@ -3062,10 +3086,14 @@
                     <a:p>
                       <a:pPr algn="ctr"/>
                       <a:r>
-                        <a:rPr lang="ru-RU" dirty="0" smtClean="0"/>
+                        <a:rPr lang="ru-RU" sz="1800" dirty="0" smtClean="0">
+                          <a:latin typeface="Calibri" pitchFamily="34" charset="0"/>
+                        </a:rPr>
                         <a:t>Описание</a:t>
                       </a:r>
-                      <a:endParaRPr lang="en-US" dirty="0"/>
+                      <a:endParaRPr lang="en-US" sz="1800" dirty="0">
+                        <a:latin typeface="Calibri" pitchFamily="34" charset="0"/>
+                      </a:endParaRPr>
                     </a:p>
                   </a:txBody>
                   <a:tcPr/>
@@ -3078,20 +3106,20 @@
                     <a:lstStyle/>
                     <a:p>
                       <a:r>
-                        <a:rPr lang="ru-RU" dirty="0" smtClean="0">
+                        <a:rPr lang="ru-RU" sz="1800" dirty="0" smtClean="0">
                           <a:latin typeface="Calibri" pitchFamily="34" charset="0"/>
                           <a:cs typeface="Calibri" pitchFamily="34" charset="0"/>
                         </a:rPr>
                         <a:t>1</a:t>
                       </a:r>
                       <a:r>
-                        <a:rPr lang="en-US" dirty="0" smtClean="0">
+                        <a:rPr lang="en-US" sz="1800" dirty="0" smtClean="0">
                           <a:latin typeface="Calibri" pitchFamily="34" charset="0"/>
                           <a:cs typeface="Calibri" pitchFamily="34" charset="0"/>
                         </a:rPr>
                         <a:t>xx</a:t>
                       </a:r>
-                      <a:endParaRPr lang="en-US" dirty="0">
+                      <a:endParaRPr lang="en-US" sz="1800" dirty="0">
                         <a:latin typeface="Calibri" pitchFamily="34" charset="0"/>
                         <a:cs typeface="Calibri" pitchFamily="34" charset="0"/>
                       </a:endParaRPr>
@@ -3105,20 +3133,20 @@
                     <a:lstStyle/>
                     <a:p>
                       <a:r>
-                        <a:rPr lang="ru-RU" dirty="0" smtClean="0">
+                        <a:rPr lang="ru-RU" sz="1800" dirty="0" smtClean="0">
                           <a:latin typeface="Calibri" pitchFamily="34" charset="0"/>
                           <a:cs typeface="Calibri" pitchFamily="34" charset="0"/>
                         </a:rPr>
                         <a:t>Информационные</a:t>
                       </a:r>
                       <a:r>
-                        <a:rPr lang="ru-RU" baseline="0" dirty="0" smtClean="0">
+                        <a:rPr lang="ru-RU" sz="1800" baseline="0" dirty="0" smtClean="0">
                           <a:latin typeface="Calibri" pitchFamily="34" charset="0"/>
                           <a:cs typeface="Calibri" pitchFamily="34" charset="0"/>
                         </a:rPr>
                         <a:t> </a:t>
                       </a:r>
-                      <a:endParaRPr lang="en-US" dirty="0">
+                      <a:endParaRPr lang="en-US" sz="1800" dirty="0">
                         <a:latin typeface="Calibri" pitchFamily="34" charset="0"/>
                         <a:cs typeface="Calibri" pitchFamily="34" charset="0"/>
                       </a:endParaRPr>
@@ -3134,13 +3162,13 @@
                     <a:lstStyle/>
                     <a:p>
                       <a:r>
-                        <a:rPr lang="en-US" dirty="0" err="1" smtClean="0">
+                        <a:rPr lang="en-US" sz="1800" dirty="0" err="1" smtClean="0">
                           <a:latin typeface="Calibri" pitchFamily="34" charset="0"/>
                           <a:cs typeface="Calibri" pitchFamily="34" charset="0"/>
                         </a:rPr>
                         <a:t>2xx</a:t>
                       </a:r>
-                      <a:endParaRPr lang="en-US" dirty="0">
+                      <a:endParaRPr lang="en-US" sz="1800" dirty="0">
                         <a:latin typeface="Calibri" pitchFamily="34" charset="0"/>
                         <a:cs typeface="Calibri" pitchFamily="34" charset="0"/>
                       </a:endParaRPr>
@@ -3154,20 +3182,20 @@
                     <a:lstStyle/>
                     <a:p>
                       <a:r>
-                        <a:rPr lang="ru-RU" dirty="0" smtClean="0">
+                        <a:rPr lang="ru-RU" sz="1800" dirty="0" smtClean="0">
                           <a:latin typeface="Calibri" pitchFamily="34" charset="0"/>
                           <a:cs typeface="Calibri" pitchFamily="34" charset="0"/>
                         </a:rPr>
                         <a:t>Успешное завершение</a:t>
                       </a:r>
                       <a:r>
-                        <a:rPr lang="ru-RU" baseline="0" dirty="0" smtClean="0">
+                        <a:rPr lang="ru-RU" sz="1800" baseline="0" dirty="0" smtClean="0">
                           <a:latin typeface="Calibri" pitchFamily="34" charset="0"/>
                           <a:cs typeface="Calibri" pitchFamily="34" charset="0"/>
                         </a:rPr>
                         <a:t> </a:t>
                       </a:r>
-                      <a:endParaRPr lang="en-US" dirty="0">
+                      <a:endParaRPr lang="en-US" sz="1800" dirty="0">
                         <a:latin typeface="Calibri" pitchFamily="34" charset="0"/>
                         <a:cs typeface="Calibri" pitchFamily="34" charset="0"/>
                       </a:endParaRPr>
@@ -3183,13 +3211,13 @@
                     <a:lstStyle/>
                     <a:p>
                       <a:r>
-                        <a:rPr lang="en-US" dirty="0" err="1" smtClean="0">
+                        <a:rPr lang="en-US" sz="1800" dirty="0" err="1" smtClean="0">
                           <a:latin typeface="Calibri" pitchFamily="34" charset="0"/>
                           <a:cs typeface="Calibri" pitchFamily="34" charset="0"/>
                         </a:rPr>
                         <a:t>3xx</a:t>
                       </a:r>
-                      <a:endParaRPr lang="en-US" dirty="0">
+                      <a:endParaRPr lang="en-US" sz="1800" dirty="0">
                         <a:latin typeface="Calibri" pitchFamily="34" charset="0"/>
                         <a:cs typeface="Calibri" pitchFamily="34" charset="0"/>
                       </a:endParaRPr>
@@ -3203,20 +3231,20 @@
                     <a:lstStyle/>
                     <a:p>
                       <a:r>
-                        <a:rPr lang="ru-RU" dirty="0" smtClean="0">
+                        <a:rPr lang="ru-RU" sz="1800" dirty="0" smtClean="0">
                           <a:latin typeface="Calibri" pitchFamily="34" charset="0"/>
                           <a:cs typeface="Calibri" pitchFamily="34" charset="0"/>
                         </a:rPr>
                         <a:t>Команды </a:t>
                       </a:r>
                       <a:r>
-                        <a:rPr lang="ru-RU" dirty="0" err="1" smtClean="0">
+                        <a:rPr lang="ru-RU" sz="1800" dirty="0" err="1" smtClean="0">
                           <a:latin typeface="Calibri" pitchFamily="34" charset="0"/>
                           <a:cs typeface="Calibri" pitchFamily="34" charset="0"/>
                         </a:rPr>
                         <a:t>перенаправлений</a:t>
                       </a:r>
-                      <a:endParaRPr lang="en-US" dirty="0">
+                      <a:endParaRPr lang="en-US" sz="1800" dirty="0">
                         <a:latin typeface="Calibri" pitchFamily="34" charset="0"/>
                         <a:cs typeface="Calibri" pitchFamily="34" charset="0"/>
                       </a:endParaRPr>
@@ -3232,13 +3260,13 @@
                     <a:lstStyle/>
                     <a:p>
                       <a:r>
-                        <a:rPr lang="en-US" dirty="0" err="1" smtClean="0">
+                        <a:rPr lang="en-US" sz="1800" dirty="0" err="1" smtClean="0">
                           <a:latin typeface="Calibri" pitchFamily="34" charset="0"/>
                           <a:cs typeface="Calibri" pitchFamily="34" charset="0"/>
                         </a:rPr>
                         <a:t>4xx</a:t>
                       </a:r>
-                      <a:endParaRPr lang="en-US" dirty="0">
+                      <a:endParaRPr lang="en-US" sz="1800" dirty="0">
                         <a:latin typeface="Calibri" pitchFamily="34" charset="0"/>
                         <a:cs typeface="Calibri" pitchFamily="34" charset="0"/>
                       </a:endParaRPr>
@@ -3252,20 +3280,20 @@
                     <a:lstStyle/>
                     <a:p>
                       <a:r>
-                        <a:rPr lang="ru-RU" dirty="0" smtClean="0">
+                        <a:rPr lang="ru-RU" sz="1800" dirty="0" smtClean="0">
                           <a:latin typeface="Calibri" pitchFamily="34" charset="0"/>
                           <a:cs typeface="Calibri" pitchFamily="34" charset="0"/>
                         </a:rPr>
                         <a:t>Клиентские ошибки</a:t>
                       </a:r>
                       <a:r>
-                        <a:rPr lang="ru-RU" baseline="0" dirty="0" smtClean="0">
+                        <a:rPr lang="ru-RU" sz="1800" baseline="0" dirty="0" smtClean="0">
                           <a:latin typeface="Calibri" pitchFamily="34" charset="0"/>
                           <a:cs typeface="Calibri" pitchFamily="34" charset="0"/>
                         </a:rPr>
                         <a:t> </a:t>
                       </a:r>
-                      <a:endParaRPr lang="en-US" dirty="0">
+                      <a:endParaRPr lang="en-US" sz="1800" dirty="0">
                         <a:latin typeface="Calibri" pitchFamily="34" charset="0"/>
                         <a:cs typeface="Calibri" pitchFamily="34" charset="0"/>
                       </a:endParaRPr>
@@ -3281,13 +3309,13 @@
                     <a:lstStyle/>
                     <a:p>
                       <a:r>
-                        <a:rPr lang="en-US" dirty="0" err="1" smtClean="0">
+                        <a:rPr lang="en-US" sz="1800" dirty="0" err="1" smtClean="0">
                           <a:latin typeface="Calibri" pitchFamily="34" charset="0"/>
                           <a:cs typeface="Calibri" pitchFamily="34" charset="0"/>
                         </a:rPr>
                         <a:t>5xx</a:t>
                       </a:r>
-                      <a:endParaRPr lang="en-US" dirty="0">
+                      <a:endParaRPr lang="en-US" sz="1800" dirty="0">
                         <a:latin typeface="Calibri" pitchFamily="34" charset="0"/>
                         <a:cs typeface="Calibri" pitchFamily="34" charset="0"/>
                       </a:endParaRPr>
@@ -3301,20 +3329,20 @@
                     <a:lstStyle/>
                     <a:p>
                       <a:r>
-                        <a:rPr lang="ru-RU" dirty="0" smtClean="0">
+                        <a:rPr lang="ru-RU" sz="1800" dirty="0" smtClean="0">
                           <a:latin typeface="Calibri" pitchFamily="34" charset="0"/>
                           <a:cs typeface="Calibri" pitchFamily="34" charset="0"/>
                         </a:rPr>
                         <a:t>Серверные ошибки</a:t>
                       </a:r>
                       <a:r>
-                        <a:rPr lang="ru-RU" baseline="0" dirty="0" smtClean="0">
+                        <a:rPr lang="ru-RU" sz="1800" baseline="0" dirty="0" smtClean="0">
                           <a:latin typeface="Calibri" pitchFamily="34" charset="0"/>
                           <a:cs typeface="Calibri" pitchFamily="34" charset="0"/>
                         </a:rPr>
                         <a:t> </a:t>
                       </a:r>
-                      <a:endParaRPr lang="en-US" dirty="0">
+                      <a:endParaRPr lang="en-US" sz="1800" dirty="0">
                         <a:latin typeface="Calibri" pitchFamily="34" charset="0"/>
                         <a:cs typeface="Calibri" pitchFamily="34" charset="0"/>
                       </a:endParaRPr>
@@ -3367,7 +3395,7 @@
     </p:spTree>
     <p:extLst>
       <p:ext uri="{BB962C8B-B14F-4D97-AF65-F5344CB8AC3E}">
-        <p14:creationId xmlns:p14="http://schemas.microsoft.com/office/powerpoint/2010/main" xmlns="" val="2015409003"/>
+        <p14:creationId xmlns="" xmlns:p14="http://schemas.microsoft.com/office/powerpoint/2010/main" val="2015409003"/>
       </p:ext>
     </p:extLst>
   </p:cSld>
@@ -3417,10 +3445,14 @@
           <a:lstStyle/>
           <a:p>
             <a:r>
-              <a:rPr lang="en-US" b="1" dirty="0" smtClean="0"/>
+              <a:rPr lang="en-US" dirty="0" smtClean="0">
+                <a:latin typeface="Calibri" pitchFamily="34" charset="0"/>
+              </a:rPr>
               <a:t>AJAX</a:t>
             </a:r>
-            <a:endParaRPr lang="en-US" b="1" dirty="0"/>
+            <a:endParaRPr lang="en-US" dirty="0">
+              <a:latin typeface="Calibri" pitchFamily="34" charset="0"/>
+            </a:endParaRPr>
           </a:p>
         </p:txBody>
       </p:sp>
@@ -3458,18 +3490,46 @@
           <a:p>
             <a:pPr algn="just"/>
             <a:r>
-              <a:rPr lang="en-US" b="1" dirty="0" smtClean="0">
+              <a:rPr lang="en-US" dirty="0" smtClean="0">
                 <a:latin typeface="Calibri" pitchFamily="34" charset="0"/>
                 <a:cs typeface="Calibri" pitchFamily="34" charset="0"/>
               </a:rPr>
               <a:t>AJAX</a:t>
             </a:r>
             <a:r>
+              <a:rPr lang="ru-RU" dirty="0" smtClean="0">
+                <a:latin typeface="Calibri" pitchFamily="34" charset="0"/>
+                <a:cs typeface="Calibri" pitchFamily="34" charset="0"/>
+              </a:rPr>
+              <a:t> </a:t>
+            </a:r>
+            <a:r>
               <a:rPr lang="en-US" dirty="0" smtClean="0">
                 <a:latin typeface="Calibri" pitchFamily="34" charset="0"/>
                 <a:cs typeface="Calibri" pitchFamily="34" charset="0"/>
               </a:rPr>
-              <a:t>–Asynchronous JavaScript And XML. </a:t>
+              <a:t>–</a:t>
+            </a:r>
+            <a:r>
+              <a:rPr lang="ru-RU" dirty="0" smtClean="0">
+                <a:latin typeface="Calibri" pitchFamily="34" charset="0"/>
+                <a:cs typeface="Calibri" pitchFamily="34" charset="0"/>
+              </a:rPr>
+              <a:t> </a:t>
+            </a:r>
+            <a:r>
+              <a:rPr lang="en-US" dirty="0" smtClean="0">
+                <a:latin typeface="Calibri" pitchFamily="34" charset="0"/>
+                <a:cs typeface="Calibri" pitchFamily="34" charset="0"/>
+              </a:rPr>
+              <a:t>Asynchronous </a:t>
+            </a:r>
+            <a:r>
+              <a:rPr lang="en-US" dirty="0" smtClean="0">
+                <a:latin typeface="Calibri" pitchFamily="34" charset="0"/>
+                <a:cs typeface="Calibri" pitchFamily="34" charset="0"/>
+              </a:rPr>
+              <a:t>JavaScript And XML. </a:t>
             </a:r>
             <a:r>
               <a:rPr lang="uk-UA" dirty="0" smtClean="0">
@@ -3586,7 +3646,7 @@
     </p:spTree>
     <p:extLst>
       <p:ext uri="{BB962C8B-B14F-4D97-AF65-F5344CB8AC3E}">
-        <p14:creationId xmlns:p14="http://schemas.microsoft.com/office/powerpoint/2010/main" xmlns="" val="384071384"/>
+        <p14:creationId xmlns="" xmlns:p14="http://schemas.microsoft.com/office/powerpoint/2010/main" val="384071384"/>
       </p:ext>
     </p:extLst>
   </p:cSld>
@@ -3636,10 +3696,14 @@
           <a:lstStyle/>
           <a:p>
             <a:r>
-              <a:rPr lang="en-US" b="1" dirty="0" smtClean="0"/>
+              <a:rPr lang="en-US" dirty="0" smtClean="0">
+                <a:latin typeface="Calibri" pitchFamily="34" charset="0"/>
+              </a:rPr>
               <a:t>AJAX</a:t>
             </a:r>
-            <a:endParaRPr lang="en-US" b="1" dirty="0"/>
+            <a:endParaRPr lang="en-US" dirty="0">
+              <a:latin typeface="Calibri" pitchFamily="34" charset="0"/>
+            </a:endParaRPr>
           </a:p>
         </p:txBody>
       </p:sp>
@@ -3749,7 +3813,7 @@
     </p:spTree>
     <p:extLst>
       <p:ext uri="{BB962C8B-B14F-4D97-AF65-F5344CB8AC3E}">
-        <p14:creationId xmlns:p14="http://schemas.microsoft.com/office/powerpoint/2010/main" xmlns="" val="384071384"/>
+        <p14:creationId xmlns="" xmlns:p14="http://schemas.microsoft.com/office/powerpoint/2010/main" val="384071384"/>
       </p:ext>
     </p:extLst>
   </p:cSld>
@@ -3799,10 +3863,14 @@
           <a:lstStyle/>
           <a:p>
             <a:r>
-              <a:rPr lang="en-US" b="1" dirty="0" smtClean="0"/>
+              <a:rPr lang="en-US" dirty="0" smtClean="0">
+                <a:latin typeface="Calibri" pitchFamily="34" charset="0"/>
+              </a:rPr>
               <a:t>AJAX</a:t>
             </a:r>
-            <a:endParaRPr lang="en-US" b="1" dirty="0"/>
+            <a:endParaRPr lang="en-US" dirty="0">
+              <a:latin typeface="Calibri" pitchFamily="34" charset="0"/>
+            </a:endParaRPr>
           </a:p>
         </p:txBody>
       </p:sp>
@@ -3899,7 +3967,7 @@
     </p:spTree>
     <p:extLst>
       <p:ext uri="{BB962C8B-B14F-4D97-AF65-F5344CB8AC3E}">
-        <p14:creationId xmlns:p14="http://schemas.microsoft.com/office/powerpoint/2010/main" xmlns="" val="384071384"/>
+        <p14:creationId xmlns="" xmlns:p14="http://schemas.microsoft.com/office/powerpoint/2010/main" val="384071384"/>
       </p:ext>
     </p:extLst>
   </p:cSld>
